--- a/zucc-bysg/毕业答辩.pptx
+++ b/zucc-bysg/毕业答辩.pptx
@@ -268,7 +268,7 @@
           <a:p>
             <a:fld id="{5306A5BD-8BA7-4900-AB15-0D3ECCC954E6}" type="datetimeFigureOut">
               <a:rPr lang="zh-CN" altLang="en-US" smtClean="0"/>
-              <a:t>2022/5/8</a:t>
+              <a:t>2022/5/9</a:t>
             </a:fld>
             <a:endParaRPr lang="zh-CN" altLang="en-US"/>
           </a:p>
@@ -677,7 +677,7 @@
               <a:pPr>
                 <a:defRPr/>
               </a:pPr>
-              <a:t>2022/5/8</a:t>
+              <a:t>2022/5/9</a:t>
             </a:fld>
             <a:endParaRPr lang="zh-CN" altLang="en-US"/>
           </a:p>
@@ -869,7 +869,7 @@
               <a:pPr>
                 <a:defRPr/>
               </a:pPr>
-              <a:t>2022/5/8</a:t>
+              <a:t>2022/5/9</a:t>
             </a:fld>
             <a:endParaRPr lang="zh-CN" altLang="en-US"/>
           </a:p>
@@ -1071,7 +1071,7 @@
               <a:pPr>
                 <a:defRPr/>
               </a:pPr>
-              <a:t>2022/5/8</a:t>
+              <a:t>2022/5/9</a:t>
             </a:fld>
             <a:endParaRPr lang="zh-CN" altLang="en-US"/>
           </a:p>
@@ -1263,7 +1263,7 @@
               <a:pPr>
                 <a:defRPr/>
               </a:pPr>
-              <a:t>2022/5/8</a:t>
+              <a:t>2022/5/9</a:t>
             </a:fld>
             <a:endParaRPr lang="zh-CN" altLang="en-US"/>
           </a:p>
@@ -1531,7 +1531,7 @@
               <a:pPr>
                 <a:defRPr/>
               </a:pPr>
-              <a:t>2022/5/8</a:t>
+              <a:t>2022/5/9</a:t>
             </a:fld>
             <a:endParaRPr lang="zh-CN" altLang="en-US"/>
           </a:p>
@@ -1785,7 +1785,7 @@
               <a:pPr>
                 <a:defRPr/>
               </a:pPr>
-              <a:t>2022/5/8</a:t>
+              <a:t>2022/5/9</a:t>
             </a:fld>
             <a:endParaRPr lang="zh-CN" altLang="en-US"/>
           </a:p>
@@ -2174,7 +2174,7 @@
               <a:pPr>
                 <a:defRPr/>
               </a:pPr>
-              <a:t>2022/5/8</a:t>
+              <a:t>2022/5/9</a:t>
             </a:fld>
             <a:endParaRPr lang="zh-CN" altLang="en-US"/>
           </a:p>
@@ -2314,7 +2314,7 @@
               <a:pPr>
                 <a:defRPr/>
               </a:pPr>
-              <a:t>2022/5/8</a:t>
+              <a:t>2022/5/9</a:t>
             </a:fld>
             <a:endParaRPr lang="zh-CN" altLang="en-US"/>
           </a:p>
@@ -2431,7 +2431,7 @@
               <a:pPr>
                 <a:defRPr/>
               </a:pPr>
-              <a:t>2022/5/8</a:t>
+              <a:t>2022/5/9</a:t>
             </a:fld>
             <a:endParaRPr lang="zh-CN" altLang="en-US"/>
           </a:p>
@@ -2730,7 +2730,7 @@
               <a:pPr>
                 <a:defRPr/>
               </a:pPr>
-              <a:t>2022/5/8</a:t>
+              <a:t>2022/5/9</a:t>
             </a:fld>
             <a:endParaRPr lang="zh-CN" altLang="en-US"/>
           </a:p>
@@ -3008,7 +3008,7 @@
               <a:pPr>
                 <a:defRPr/>
               </a:pPr>
-              <a:t>2022/5/8</a:t>
+              <a:t>2022/5/9</a:t>
             </a:fld>
             <a:endParaRPr lang="zh-CN" altLang="en-US"/>
           </a:p>
@@ -3303,7 +3303,7 @@
               <a:pPr>
                 <a:defRPr/>
               </a:pPr>
-              <a:t>2022/5/8</a:t>
+              <a:t>2022/5/9</a:t>
             </a:fld>
             <a:endParaRPr lang="zh-CN" altLang="en-US"/>
           </a:p>
